--- a/images/theory_analysis/AWS_EKS_Network_Load_Balancer/AWS_EKS_Network_Load_Balancer.pptx
+++ b/images/theory_analysis/AWS_EKS_Network_Load_Balancer/AWS_EKS_Network_Load_Balancer.pptx
@@ -220,7 +220,7 @@
           <a:p>
             <a:fld id="{6CD5550B-26C4-49A9-A5BA-636EF7BE6CE9}" type="datetimeFigureOut">
               <a:rPr lang="ko-KR" altLang="en-US" smtClean="0"/>
-              <a:t>2021-05-07</a:t>
+              <a:t>2021-05-08</a:t>
             </a:fld>
             <a:endParaRPr lang="ko-KR" altLang="en-US"/>
           </a:p>
@@ -666,7 +666,7 @@
           <a:p>
             <a:fld id="{FB30EDBD-1C2D-4C1E-B459-B60219FAB484}" type="datetimeFigureOut">
               <a:rPr lang="ko-KR" altLang="en-US" smtClean="0"/>
-              <a:t>2021-05-07</a:t>
+              <a:t>2021-05-08</a:t>
             </a:fld>
             <a:endParaRPr lang="ko-KR" altLang="en-US"/>
           </a:p>
@@ -829,7 +829,7 @@
           <a:p>
             <a:fld id="{FB30EDBD-1C2D-4C1E-B459-B60219FAB484}" type="datetimeFigureOut">
               <a:rPr lang="ko-KR" altLang="en-US" smtClean="0"/>
-              <a:t>2021-05-07</a:t>
+              <a:t>2021-05-08</a:t>
             </a:fld>
             <a:endParaRPr lang="ko-KR" altLang="en-US"/>
           </a:p>
@@ -1002,7 +1002,7 @@
           <a:p>
             <a:fld id="{FB30EDBD-1C2D-4C1E-B459-B60219FAB484}" type="datetimeFigureOut">
               <a:rPr lang="ko-KR" altLang="en-US" smtClean="0"/>
-              <a:t>2021-05-07</a:t>
+              <a:t>2021-05-08</a:t>
             </a:fld>
             <a:endParaRPr lang="ko-KR" altLang="en-US"/>
           </a:p>
@@ -1165,7 +1165,7 @@
           <a:p>
             <a:fld id="{FB30EDBD-1C2D-4C1E-B459-B60219FAB484}" type="datetimeFigureOut">
               <a:rPr lang="ko-KR" altLang="en-US" smtClean="0"/>
-              <a:t>2021-05-07</a:t>
+              <a:t>2021-05-08</a:t>
             </a:fld>
             <a:endParaRPr lang="ko-KR" altLang="en-US"/>
           </a:p>
@@ -1405,7 +1405,7 @@
           <a:p>
             <a:fld id="{FB30EDBD-1C2D-4C1E-B459-B60219FAB484}" type="datetimeFigureOut">
               <a:rPr lang="ko-KR" altLang="en-US" smtClean="0"/>
-              <a:t>2021-05-07</a:t>
+              <a:t>2021-05-08</a:t>
             </a:fld>
             <a:endParaRPr lang="ko-KR" altLang="en-US"/>
           </a:p>
@@ -1685,7 +1685,7 @@
           <a:p>
             <a:fld id="{FB30EDBD-1C2D-4C1E-B459-B60219FAB484}" type="datetimeFigureOut">
               <a:rPr lang="ko-KR" altLang="en-US" smtClean="0"/>
-              <a:t>2021-05-07</a:t>
+              <a:t>2021-05-08</a:t>
             </a:fld>
             <a:endParaRPr lang="ko-KR" altLang="en-US"/>
           </a:p>
@@ -2099,7 +2099,7 @@
           <a:p>
             <a:fld id="{FB30EDBD-1C2D-4C1E-B459-B60219FAB484}" type="datetimeFigureOut">
               <a:rPr lang="ko-KR" altLang="en-US" smtClean="0"/>
-              <a:t>2021-05-07</a:t>
+              <a:t>2021-05-08</a:t>
             </a:fld>
             <a:endParaRPr lang="ko-KR" altLang="en-US"/>
           </a:p>
@@ -2211,7 +2211,7 @@
           <a:p>
             <a:fld id="{FB30EDBD-1C2D-4C1E-B459-B60219FAB484}" type="datetimeFigureOut">
               <a:rPr lang="ko-KR" altLang="en-US" smtClean="0"/>
-              <a:t>2021-05-07</a:t>
+              <a:t>2021-05-08</a:t>
             </a:fld>
             <a:endParaRPr lang="ko-KR" altLang="en-US"/>
           </a:p>
@@ -2301,7 +2301,7 @@
           <a:p>
             <a:fld id="{FB30EDBD-1C2D-4C1E-B459-B60219FAB484}" type="datetimeFigureOut">
               <a:rPr lang="ko-KR" altLang="en-US" smtClean="0"/>
-              <a:t>2021-05-07</a:t>
+              <a:t>2021-05-08</a:t>
             </a:fld>
             <a:endParaRPr lang="ko-KR" altLang="en-US"/>
           </a:p>
@@ -2571,7 +2571,7 @@
           <a:p>
             <a:fld id="{FB30EDBD-1C2D-4C1E-B459-B60219FAB484}" type="datetimeFigureOut">
               <a:rPr lang="ko-KR" altLang="en-US" smtClean="0"/>
-              <a:t>2021-05-07</a:t>
+              <a:t>2021-05-08</a:t>
             </a:fld>
             <a:endParaRPr lang="ko-KR" altLang="en-US"/>
           </a:p>
@@ -2818,7 +2818,7 @@
           <a:p>
             <a:fld id="{FB30EDBD-1C2D-4C1E-B459-B60219FAB484}" type="datetimeFigureOut">
               <a:rPr lang="ko-KR" altLang="en-US" smtClean="0"/>
-              <a:t>2021-05-07</a:t>
+              <a:t>2021-05-08</a:t>
             </a:fld>
             <a:endParaRPr lang="ko-KR" altLang="en-US"/>
           </a:p>
@@ -3024,7 +3024,7 @@
           <a:p>
             <a:fld id="{FB30EDBD-1C2D-4C1E-B459-B60219FAB484}" type="datetimeFigureOut">
               <a:rPr lang="ko-KR" altLang="en-US" smtClean="0"/>
-              <a:t>2021-05-07</a:t>
+              <a:t>2021-05-08</a:t>
             </a:fld>
             <a:endParaRPr lang="ko-KR" altLang="en-US"/>
           </a:p>
@@ -3796,440 +3796,406 @@
           </a:p>
         </p:txBody>
       </p:sp>
-      <p:grpSp>
-        <p:nvGrpSpPr>
-          <p:cNvPr id="6" name="그룹 5">
-            <a:extLst>
-              <a:ext uri="{FF2B5EF4-FFF2-40B4-BE49-F238E27FC236}">
-                <a16:creationId xmlns:a16="http://schemas.microsoft.com/office/drawing/2014/main" id="{568CCECF-1346-4FE8-B1A4-037BB43AE4CA}"/>
-              </a:ext>
-            </a:extLst>
-          </p:cNvPr>
-          <p:cNvGrpSpPr/>
-          <p:nvPr/>
-        </p:nvGrpSpPr>
-        <p:grpSpPr>
+      <p:sp>
+        <p:nvSpPr>
+          <p:cNvPr id="112" name="사각형: 둥근 모서리 111">
+            <a:extLst>
+              <a:ext uri="{FF2B5EF4-FFF2-40B4-BE49-F238E27FC236}">
+                <a16:creationId xmlns:a16="http://schemas.microsoft.com/office/drawing/2014/main" id="{63C5B644-5576-4563-8802-F6C68BCE446C}"/>
+              </a:ext>
+            </a:extLst>
+          </p:cNvPr>
+          <p:cNvSpPr/>
+          <p:nvPr/>
+        </p:nvSpPr>
+        <p:spPr>
           <a:xfrm>
             <a:off x="1557927" y="3288767"/>
             <a:ext cx="4454233" cy="718577"/>
-            <a:chOff x="2205999" y="4295182"/>
-            <a:chExt cx="4454233" cy="718577"/>
-          </a:xfrm>
-        </p:grpSpPr>
-        <p:sp>
-          <p:nvSpPr>
-            <p:cNvPr id="112" name="사각형: 둥근 모서리 111">
-              <a:extLst>
-                <a:ext uri="{FF2B5EF4-FFF2-40B4-BE49-F238E27FC236}">
-                  <a16:creationId xmlns:a16="http://schemas.microsoft.com/office/drawing/2014/main" id="{63C5B644-5576-4563-8802-F6C68BCE446C}"/>
-                </a:ext>
-              </a:extLst>
-            </p:cNvPr>
-            <p:cNvSpPr/>
-            <p:nvPr/>
-          </p:nvSpPr>
-          <p:spPr>
-            <a:xfrm>
-              <a:off x="2205999" y="4295182"/>
-              <a:ext cx="4454233" cy="718577"/>
-            </a:xfrm>
-            <a:prstGeom prst="roundRect">
-              <a:avLst>
-                <a:gd name="adj" fmla="val 11263"/>
-              </a:avLst>
-            </a:prstGeom>
-          </p:spPr>
-          <p:style>
-            <a:lnRef idx="2">
-              <a:schemeClr val="dk1"/>
-            </a:lnRef>
-            <a:fillRef idx="1">
-              <a:schemeClr val="lt1"/>
-            </a:fillRef>
-            <a:effectRef idx="0">
-              <a:schemeClr val="dk1"/>
-            </a:effectRef>
-            <a:fontRef idx="minor">
-              <a:schemeClr val="dk1"/>
-            </a:fontRef>
-          </p:style>
-          <p:txBody>
-            <a:bodyPr rtlCol="0" anchor="b"/>
-            <a:lstStyle/>
-            <a:p>
-              <a:pPr algn="ctr"/>
-              <a:r>
-                <a:rPr lang="en-US" altLang="ko-KR" sz="1100"/>
-                <a:t>NodeGroup B</a:t>
-              </a:r>
-            </a:p>
-          </p:txBody>
-        </p:sp>
-        <p:sp>
-          <p:nvSpPr>
-            <p:cNvPr id="110" name="사각형: 둥근 모서리 109">
-              <a:extLst>
-                <a:ext uri="{FF2B5EF4-FFF2-40B4-BE49-F238E27FC236}">
-                  <a16:creationId xmlns:a16="http://schemas.microsoft.com/office/drawing/2014/main" id="{57B2DAE5-C90F-4FE7-AB7B-CFCD1FBF0808}"/>
-                </a:ext>
-              </a:extLst>
-            </p:cNvPr>
-            <p:cNvSpPr/>
-            <p:nvPr/>
-          </p:nvSpPr>
-          <p:spPr>
-            <a:xfrm>
-              <a:off x="2267744" y="4361889"/>
-              <a:ext cx="1224136" cy="363838"/>
-            </a:xfrm>
-            <a:prstGeom prst="roundRect">
-              <a:avLst>
-                <a:gd name="adj" fmla="val 23600"/>
-              </a:avLst>
-            </a:prstGeom>
-          </p:spPr>
-          <p:style>
-            <a:lnRef idx="2">
-              <a:schemeClr val="dk1"/>
-            </a:lnRef>
-            <a:fillRef idx="1">
-              <a:schemeClr val="lt1"/>
-            </a:fillRef>
-            <a:effectRef idx="0">
-              <a:schemeClr val="dk1"/>
-            </a:effectRef>
-            <a:fontRef idx="minor">
-              <a:schemeClr val="dk1"/>
-            </a:fontRef>
-          </p:style>
-          <p:txBody>
-            <a:bodyPr rtlCol="0" anchor="ctr"/>
-            <a:lstStyle/>
-            <a:p>
-              <a:pPr algn="ctr"/>
-              <a:r>
-                <a:rPr lang="en-US" altLang="ko-KR" sz="1100"/>
-                <a:t>Node D</a:t>
-              </a:r>
-            </a:p>
-          </p:txBody>
-        </p:sp>
-        <p:sp>
-          <p:nvSpPr>
-            <p:cNvPr id="111" name="사각형: 둥근 모서리 110">
-              <a:extLst>
-                <a:ext uri="{FF2B5EF4-FFF2-40B4-BE49-F238E27FC236}">
-                  <a16:creationId xmlns:a16="http://schemas.microsoft.com/office/drawing/2014/main" id="{2649FE40-0E0C-4137-B9F2-117CB0BCBDFE}"/>
-                </a:ext>
-              </a:extLst>
-            </p:cNvPr>
-            <p:cNvSpPr/>
-            <p:nvPr/>
-          </p:nvSpPr>
-          <p:spPr>
-            <a:xfrm>
-              <a:off x="3815916" y="4361889"/>
-              <a:ext cx="1224136" cy="363838"/>
-            </a:xfrm>
-            <a:prstGeom prst="roundRect">
-              <a:avLst>
-                <a:gd name="adj" fmla="val 23600"/>
-              </a:avLst>
-            </a:prstGeom>
-          </p:spPr>
-          <p:style>
-            <a:lnRef idx="2">
-              <a:schemeClr val="dk1"/>
-            </a:lnRef>
-            <a:fillRef idx="1">
-              <a:schemeClr val="lt1"/>
-            </a:fillRef>
-            <a:effectRef idx="0">
-              <a:schemeClr val="dk1"/>
-            </a:effectRef>
-            <a:fontRef idx="minor">
-              <a:schemeClr val="dk1"/>
-            </a:fontRef>
-          </p:style>
-          <p:txBody>
-            <a:bodyPr rtlCol="0" anchor="ctr"/>
-            <a:lstStyle/>
-            <a:p>
-              <a:pPr algn="ctr"/>
-              <a:r>
-                <a:rPr lang="en-US" altLang="ko-KR" sz="1100"/>
-                <a:t>Node E</a:t>
-              </a:r>
-            </a:p>
-          </p:txBody>
-        </p:sp>
-        <p:sp>
-          <p:nvSpPr>
-            <p:cNvPr id="114" name="사각형: 둥근 모서리 113">
-              <a:extLst>
-                <a:ext uri="{FF2B5EF4-FFF2-40B4-BE49-F238E27FC236}">
-                  <a16:creationId xmlns:a16="http://schemas.microsoft.com/office/drawing/2014/main" id="{039C5C0B-66B6-4E37-8E10-89510602F9C8}"/>
-                </a:ext>
-              </a:extLst>
-            </p:cNvPr>
-            <p:cNvSpPr/>
-            <p:nvPr/>
-          </p:nvSpPr>
-          <p:spPr>
-            <a:xfrm>
-              <a:off x="5364088" y="4361889"/>
-              <a:ext cx="1224136" cy="363838"/>
-            </a:xfrm>
-            <a:prstGeom prst="roundRect">
-              <a:avLst>
-                <a:gd name="adj" fmla="val 23600"/>
-              </a:avLst>
-            </a:prstGeom>
-          </p:spPr>
-          <p:style>
-            <a:lnRef idx="2">
-              <a:schemeClr val="dk1"/>
-            </a:lnRef>
-            <a:fillRef idx="1">
-              <a:schemeClr val="lt1"/>
-            </a:fillRef>
-            <a:effectRef idx="0">
-              <a:schemeClr val="dk1"/>
-            </a:effectRef>
-            <a:fontRef idx="minor">
-              <a:schemeClr val="dk1"/>
-            </a:fontRef>
-          </p:style>
-          <p:txBody>
-            <a:bodyPr rtlCol="0" anchor="ctr"/>
-            <a:lstStyle/>
-            <a:p>
-              <a:pPr algn="ctr"/>
-              <a:r>
-                <a:rPr lang="en-US" altLang="ko-KR" sz="1100"/>
-                <a:t>Node F</a:t>
-              </a:r>
-            </a:p>
-          </p:txBody>
-        </p:sp>
-      </p:grpSp>
-      <p:grpSp>
-        <p:nvGrpSpPr>
-          <p:cNvPr id="115" name="그룹 114">
-            <a:extLst>
-              <a:ext uri="{FF2B5EF4-FFF2-40B4-BE49-F238E27FC236}">
-                <a16:creationId xmlns:a16="http://schemas.microsoft.com/office/drawing/2014/main" id="{0CD9F768-2051-4259-B923-17C82D0486A4}"/>
-              </a:ext>
-            </a:extLst>
-          </p:cNvPr>
-          <p:cNvGrpSpPr/>
-          <p:nvPr/>
-        </p:nvGrpSpPr>
-        <p:grpSpPr>
+          </a:xfrm>
+          <a:prstGeom prst="roundRect">
+            <a:avLst>
+              <a:gd name="adj" fmla="val 11263"/>
+            </a:avLst>
+          </a:prstGeom>
+          <a:noFill/>
+          <a:ln>
+            <a:prstDash val="dash"/>
+          </a:ln>
+        </p:spPr>
+        <p:style>
+          <a:lnRef idx="2">
+            <a:schemeClr val="dk1"/>
+          </a:lnRef>
+          <a:fillRef idx="1">
+            <a:schemeClr val="lt1"/>
+          </a:fillRef>
+          <a:effectRef idx="0">
+            <a:schemeClr val="dk1"/>
+          </a:effectRef>
+          <a:fontRef idx="minor">
+            <a:schemeClr val="dk1"/>
+          </a:fontRef>
+        </p:style>
+        <p:txBody>
+          <a:bodyPr rtlCol="0" anchor="b"/>
+          <a:lstStyle/>
+          <a:p>
+            <a:pPr algn="ctr"/>
+            <a:r>
+              <a:rPr lang="en-US" altLang="ko-KR" sz="1100"/>
+              <a:t>Node Group B</a:t>
+            </a:r>
+          </a:p>
+        </p:txBody>
+      </p:sp>
+      <p:sp>
+        <p:nvSpPr>
+          <p:cNvPr id="110" name="사각형: 둥근 모서리 109">
+            <a:extLst>
+              <a:ext uri="{FF2B5EF4-FFF2-40B4-BE49-F238E27FC236}">
+                <a16:creationId xmlns:a16="http://schemas.microsoft.com/office/drawing/2014/main" id="{57B2DAE5-C90F-4FE7-AB7B-CFCD1FBF0808}"/>
+              </a:ext>
+            </a:extLst>
+          </p:cNvPr>
+          <p:cNvSpPr/>
+          <p:nvPr/>
+        </p:nvSpPr>
+        <p:spPr>
+          <a:xfrm>
+            <a:off x="1619672" y="3355474"/>
+            <a:ext cx="1224136" cy="363838"/>
+          </a:xfrm>
+          <a:prstGeom prst="roundRect">
+            <a:avLst>
+              <a:gd name="adj" fmla="val 23600"/>
+            </a:avLst>
+          </a:prstGeom>
+        </p:spPr>
+        <p:style>
+          <a:lnRef idx="2">
+            <a:schemeClr val="dk1"/>
+          </a:lnRef>
+          <a:fillRef idx="1">
+            <a:schemeClr val="lt1"/>
+          </a:fillRef>
+          <a:effectRef idx="0">
+            <a:schemeClr val="dk1"/>
+          </a:effectRef>
+          <a:fontRef idx="minor">
+            <a:schemeClr val="dk1"/>
+          </a:fontRef>
+        </p:style>
+        <p:txBody>
+          <a:bodyPr rtlCol="0" anchor="ctr"/>
+          <a:lstStyle/>
+          <a:p>
+            <a:pPr algn="ctr"/>
+            <a:r>
+              <a:rPr lang="en-US" altLang="ko-KR" sz="1100"/>
+              <a:t>Node D</a:t>
+            </a:r>
+          </a:p>
+        </p:txBody>
+      </p:sp>
+      <p:sp>
+        <p:nvSpPr>
+          <p:cNvPr id="111" name="사각형: 둥근 모서리 110">
+            <a:extLst>
+              <a:ext uri="{FF2B5EF4-FFF2-40B4-BE49-F238E27FC236}">
+                <a16:creationId xmlns:a16="http://schemas.microsoft.com/office/drawing/2014/main" id="{2649FE40-0E0C-4137-B9F2-117CB0BCBDFE}"/>
+              </a:ext>
+            </a:extLst>
+          </p:cNvPr>
+          <p:cNvSpPr/>
+          <p:nvPr/>
+        </p:nvSpPr>
+        <p:spPr>
+          <a:xfrm>
+            <a:off x="3167844" y="3355474"/>
+            <a:ext cx="1224136" cy="363838"/>
+          </a:xfrm>
+          <a:prstGeom prst="roundRect">
+            <a:avLst>
+              <a:gd name="adj" fmla="val 23600"/>
+            </a:avLst>
+          </a:prstGeom>
+        </p:spPr>
+        <p:style>
+          <a:lnRef idx="2">
+            <a:schemeClr val="dk1"/>
+          </a:lnRef>
+          <a:fillRef idx="1">
+            <a:schemeClr val="lt1"/>
+          </a:fillRef>
+          <a:effectRef idx="0">
+            <a:schemeClr val="dk1"/>
+          </a:effectRef>
+          <a:fontRef idx="minor">
+            <a:schemeClr val="dk1"/>
+          </a:fontRef>
+        </p:style>
+        <p:txBody>
+          <a:bodyPr rtlCol="0" anchor="ctr"/>
+          <a:lstStyle/>
+          <a:p>
+            <a:pPr algn="ctr"/>
+            <a:r>
+              <a:rPr lang="en-US" altLang="ko-KR" sz="1100"/>
+              <a:t>Node E</a:t>
+            </a:r>
+          </a:p>
+        </p:txBody>
+      </p:sp>
+      <p:sp>
+        <p:nvSpPr>
+          <p:cNvPr id="114" name="사각형: 둥근 모서리 113">
+            <a:extLst>
+              <a:ext uri="{FF2B5EF4-FFF2-40B4-BE49-F238E27FC236}">
+                <a16:creationId xmlns:a16="http://schemas.microsoft.com/office/drawing/2014/main" id="{039C5C0B-66B6-4E37-8E10-89510602F9C8}"/>
+              </a:ext>
+            </a:extLst>
+          </p:cNvPr>
+          <p:cNvSpPr/>
+          <p:nvPr/>
+        </p:nvSpPr>
+        <p:spPr>
+          <a:xfrm>
+            <a:off x="4716016" y="3355474"/>
+            <a:ext cx="1224136" cy="363838"/>
+          </a:xfrm>
+          <a:prstGeom prst="roundRect">
+            <a:avLst>
+              <a:gd name="adj" fmla="val 23600"/>
+            </a:avLst>
+          </a:prstGeom>
+        </p:spPr>
+        <p:style>
+          <a:lnRef idx="2">
+            <a:schemeClr val="dk1"/>
+          </a:lnRef>
+          <a:fillRef idx="1">
+            <a:schemeClr val="lt1"/>
+          </a:fillRef>
+          <a:effectRef idx="0">
+            <a:schemeClr val="dk1"/>
+          </a:effectRef>
+          <a:fontRef idx="minor">
+            <a:schemeClr val="dk1"/>
+          </a:fontRef>
+        </p:style>
+        <p:txBody>
+          <a:bodyPr rtlCol="0" anchor="ctr"/>
+          <a:lstStyle/>
+          <a:p>
+            <a:pPr algn="ctr"/>
+            <a:r>
+              <a:rPr lang="en-US" altLang="ko-KR" sz="1100"/>
+              <a:t>Node F</a:t>
+            </a:r>
+          </a:p>
+        </p:txBody>
+      </p:sp>
+      <p:sp>
+        <p:nvSpPr>
+          <p:cNvPr id="116" name="사각형: 둥근 모서리 115">
+            <a:extLst>
+              <a:ext uri="{FF2B5EF4-FFF2-40B4-BE49-F238E27FC236}">
+                <a16:creationId xmlns:a16="http://schemas.microsoft.com/office/drawing/2014/main" id="{AFCD9ED7-604F-4D2F-844E-5B26A91D86E9}"/>
+              </a:ext>
+            </a:extLst>
+          </p:cNvPr>
+          <p:cNvSpPr/>
+          <p:nvPr/>
+        </p:nvSpPr>
+        <p:spPr>
           <a:xfrm>
             <a:off x="1557927" y="2574333"/>
             <a:ext cx="4454233" cy="718577"/>
-            <a:chOff x="2205999" y="4295182"/>
-            <a:chExt cx="4454233" cy="718577"/>
-          </a:xfrm>
-        </p:grpSpPr>
-        <p:sp>
-          <p:nvSpPr>
-            <p:cNvPr id="116" name="사각형: 둥근 모서리 115">
-              <a:extLst>
-                <a:ext uri="{FF2B5EF4-FFF2-40B4-BE49-F238E27FC236}">
-                  <a16:creationId xmlns:a16="http://schemas.microsoft.com/office/drawing/2014/main" id="{AFCD9ED7-604F-4D2F-844E-5B26A91D86E9}"/>
-                </a:ext>
-              </a:extLst>
-            </p:cNvPr>
-            <p:cNvSpPr/>
-            <p:nvPr/>
-          </p:nvSpPr>
-          <p:spPr>
-            <a:xfrm>
-              <a:off x="2205999" y="4295182"/>
-              <a:ext cx="4454233" cy="718577"/>
-            </a:xfrm>
-            <a:prstGeom prst="roundRect">
-              <a:avLst>
-                <a:gd name="adj" fmla="val 11263"/>
-              </a:avLst>
-            </a:prstGeom>
-          </p:spPr>
-          <p:style>
-            <a:lnRef idx="2">
-              <a:schemeClr val="dk1"/>
-            </a:lnRef>
-            <a:fillRef idx="1">
-              <a:schemeClr val="lt1"/>
-            </a:fillRef>
-            <a:effectRef idx="0">
-              <a:schemeClr val="dk1"/>
-            </a:effectRef>
-            <a:fontRef idx="minor">
-              <a:schemeClr val="dk1"/>
-            </a:fontRef>
-          </p:style>
-          <p:txBody>
-            <a:bodyPr rtlCol="0" anchor="b"/>
-            <a:lstStyle/>
-            <a:p>
-              <a:pPr algn="ctr"/>
-              <a:r>
-                <a:rPr lang="en-US" altLang="ko-KR" sz="1100"/>
-                <a:t>NodeGroup A</a:t>
-              </a:r>
-            </a:p>
-          </p:txBody>
-        </p:sp>
-        <p:sp>
-          <p:nvSpPr>
-            <p:cNvPr id="117" name="사각형: 둥근 모서리 116">
-              <a:extLst>
-                <a:ext uri="{FF2B5EF4-FFF2-40B4-BE49-F238E27FC236}">
-                  <a16:creationId xmlns:a16="http://schemas.microsoft.com/office/drawing/2014/main" id="{41F1CB0E-66EC-4CBD-9311-CBBB2965F1C1}"/>
-                </a:ext>
-              </a:extLst>
-            </p:cNvPr>
-            <p:cNvSpPr/>
-            <p:nvPr/>
-          </p:nvSpPr>
-          <p:spPr>
-            <a:xfrm>
-              <a:off x="2267744" y="4361889"/>
-              <a:ext cx="1224136" cy="363838"/>
-            </a:xfrm>
-            <a:prstGeom prst="roundRect">
-              <a:avLst>
-                <a:gd name="adj" fmla="val 23600"/>
-              </a:avLst>
-            </a:prstGeom>
-          </p:spPr>
-          <p:style>
-            <a:lnRef idx="2">
-              <a:schemeClr val="dk1"/>
-            </a:lnRef>
-            <a:fillRef idx="1">
-              <a:schemeClr val="lt1"/>
-            </a:fillRef>
-            <a:effectRef idx="0">
-              <a:schemeClr val="dk1"/>
-            </a:effectRef>
-            <a:fontRef idx="minor">
-              <a:schemeClr val="dk1"/>
-            </a:fontRef>
-          </p:style>
-          <p:txBody>
-            <a:bodyPr rtlCol="0" anchor="ctr"/>
-            <a:lstStyle/>
-            <a:p>
-              <a:pPr algn="ctr"/>
-              <a:r>
-                <a:rPr lang="en-US" altLang="ko-KR" sz="1100"/>
-                <a:t>Node A</a:t>
-              </a:r>
-            </a:p>
-          </p:txBody>
-        </p:sp>
-        <p:sp>
-          <p:nvSpPr>
-            <p:cNvPr id="118" name="사각형: 둥근 모서리 117">
-              <a:extLst>
-                <a:ext uri="{FF2B5EF4-FFF2-40B4-BE49-F238E27FC236}">
-                  <a16:creationId xmlns:a16="http://schemas.microsoft.com/office/drawing/2014/main" id="{541AC9C6-2324-49BC-9B49-5B507DB5AC8A}"/>
-                </a:ext>
-              </a:extLst>
-            </p:cNvPr>
-            <p:cNvSpPr/>
-            <p:nvPr/>
-          </p:nvSpPr>
-          <p:spPr>
-            <a:xfrm>
-              <a:off x="3815916" y="4361889"/>
-              <a:ext cx="1224136" cy="363838"/>
-            </a:xfrm>
-            <a:prstGeom prst="roundRect">
-              <a:avLst>
-                <a:gd name="adj" fmla="val 23600"/>
-              </a:avLst>
-            </a:prstGeom>
-          </p:spPr>
-          <p:style>
-            <a:lnRef idx="2">
-              <a:schemeClr val="dk1"/>
-            </a:lnRef>
-            <a:fillRef idx="1">
-              <a:schemeClr val="lt1"/>
-            </a:fillRef>
-            <a:effectRef idx="0">
-              <a:schemeClr val="dk1"/>
-            </a:effectRef>
-            <a:fontRef idx="minor">
-              <a:schemeClr val="dk1"/>
-            </a:fontRef>
-          </p:style>
-          <p:txBody>
-            <a:bodyPr rtlCol="0" anchor="ctr"/>
-            <a:lstStyle/>
-            <a:p>
-              <a:pPr algn="ctr"/>
-              <a:r>
-                <a:rPr lang="en-US" altLang="ko-KR" sz="1100"/>
-                <a:t>Node B</a:t>
-              </a:r>
-            </a:p>
-          </p:txBody>
-        </p:sp>
-        <p:sp>
-          <p:nvSpPr>
-            <p:cNvPr id="126" name="사각형: 둥근 모서리 125">
-              <a:extLst>
-                <a:ext uri="{FF2B5EF4-FFF2-40B4-BE49-F238E27FC236}">
-                  <a16:creationId xmlns:a16="http://schemas.microsoft.com/office/drawing/2014/main" id="{F6B5CEB9-AEB2-46D5-80F6-EE746906ADF7}"/>
-                </a:ext>
-              </a:extLst>
-            </p:cNvPr>
-            <p:cNvSpPr/>
-            <p:nvPr/>
-          </p:nvSpPr>
-          <p:spPr>
-            <a:xfrm>
-              <a:off x="5364088" y="4361889"/>
-              <a:ext cx="1224136" cy="363838"/>
-            </a:xfrm>
-            <a:prstGeom prst="roundRect">
-              <a:avLst>
-                <a:gd name="adj" fmla="val 23600"/>
-              </a:avLst>
-            </a:prstGeom>
-          </p:spPr>
-          <p:style>
-            <a:lnRef idx="2">
-              <a:schemeClr val="dk1"/>
-            </a:lnRef>
-            <a:fillRef idx="1">
-              <a:schemeClr val="lt1"/>
-            </a:fillRef>
-            <a:effectRef idx="0">
-              <a:schemeClr val="dk1"/>
-            </a:effectRef>
-            <a:fontRef idx="minor">
-              <a:schemeClr val="dk1"/>
-            </a:fontRef>
-          </p:style>
-          <p:txBody>
-            <a:bodyPr rtlCol="0" anchor="ctr"/>
-            <a:lstStyle/>
-            <a:p>
-              <a:pPr algn="ctr"/>
-              <a:r>
-                <a:rPr lang="en-US" altLang="ko-KR" sz="1100"/>
-                <a:t>Node C</a:t>
-              </a:r>
-            </a:p>
-          </p:txBody>
-        </p:sp>
-      </p:grpSp>
+          </a:xfrm>
+          <a:prstGeom prst="roundRect">
+            <a:avLst>
+              <a:gd name="adj" fmla="val 11263"/>
+            </a:avLst>
+          </a:prstGeom>
+          <a:noFill/>
+          <a:ln>
+            <a:prstDash val="dash"/>
+          </a:ln>
+        </p:spPr>
+        <p:style>
+          <a:lnRef idx="2">
+            <a:schemeClr val="dk1"/>
+          </a:lnRef>
+          <a:fillRef idx="1">
+            <a:schemeClr val="lt1"/>
+          </a:fillRef>
+          <a:effectRef idx="0">
+            <a:schemeClr val="dk1"/>
+          </a:effectRef>
+          <a:fontRef idx="minor">
+            <a:schemeClr val="dk1"/>
+          </a:fontRef>
+        </p:style>
+        <p:txBody>
+          <a:bodyPr rtlCol="0" anchor="b"/>
+          <a:lstStyle/>
+          <a:p>
+            <a:pPr algn="ctr"/>
+            <a:r>
+              <a:rPr lang="en-US" altLang="ko-KR" sz="1100"/>
+              <a:t>Node Group A</a:t>
+            </a:r>
+          </a:p>
+        </p:txBody>
+      </p:sp>
+      <p:sp>
+        <p:nvSpPr>
+          <p:cNvPr id="117" name="사각형: 둥근 모서리 116">
+            <a:extLst>
+              <a:ext uri="{FF2B5EF4-FFF2-40B4-BE49-F238E27FC236}">
+                <a16:creationId xmlns:a16="http://schemas.microsoft.com/office/drawing/2014/main" id="{41F1CB0E-66EC-4CBD-9311-CBBB2965F1C1}"/>
+              </a:ext>
+            </a:extLst>
+          </p:cNvPr>
+          <p:cNvSpPr/>
+          <p:nvPr/>
+        </p:nvSpPr>
+        <p:spPr>
+          <a:xfrm>
+            <a:off x="1619672" y="2641040"/>
+            <a:ext cx="1224136" cy="363838"/>
+          </a:xfrm>
+          <a:prstGeom prst="roundRect">
+            <a:avLst>
+              <a:gd name="adj" fmla="val 23600"/>
+            </a:avLst>
+          </a:prstGeom>
+        </p:spPr>
+        <p:style>
+          <a:lnRef idx="2">
+            <a:schemeClr val="dk1"/>
+          </a:lnRef>
+          <a:fillRef idx="1">
+            <a:schemeClr val="lt1"/>
+          </a:fillRef>
+          <a:effectRef idx="0">
+            <a:schemeClr val="dk1"/>
+          </a:effectRef>
+          <a:fontRef idx="minor">
+            <a:schemeClr val="dk1"/>
+          </a:fontRef>
+        </p:style>
+        <p:txBody>
+          <a:bodyPr rtlCol="0" anchor="ctr"/>
+          <a:lstStyle/>
+          <a:p>
+            <a:pPr algn="ctr"/>
+            <a:r>
+              <a:rPr lang="en-US" altLang="ko-KR" sz="1100"/>
+              <a:t>Node A</a:t>
+            </a:r>
+          </a:p>
+        </p:txBody>
+      </p:sp>
+      <p:sp>
+        <p:nvSpPr>
+          <p:cNvPr id="118" name="사각형: 둥근 모서리 117">
+            <a:extLst>
+              <a:ext uri="{FF2B5EF4-FFF2-40B4-BE49-F238E27FC236}">
+                <a16:creationId xmlns:a16="http://schemas.microsoft.com/office/drawing/2014/main" id="{541AC9C6-2324-49BC-9B49-5B507DB5AC8A}"/>
+              </a:ext>
+            </a:extLst>
+          </p:cNvPr>
+          <p:cNvSpPr/>
+          <p:nvPr/>
+        </p:nvSpPr>
+        <p:spPr>
+          <a:xfrm>
+            <a:off x="3167844" y="2641040"/>
+            <a:ext cx="1224136" cy="363838"/>
+          </a:xfrm>
+          <a:prstGeom prst="roundRect">
+            <a:avLst>
+              <a:gd name="adj" fmla="val 23600"/>
+            </a:avLst>
+          </a:prstGeom>
+        </p:spPr>
+        <p:style>
+          <a:lnRef idx="2">
+            <a:schemeClr val="dk1"/>
+          </a:lnRef>
+          <a:fillRef idx="1">
+            <a:schemeClr val="lt1"/>
+          </a:fillRef>
+          <a:effectRef idx="0">
+            <a:schemeClr val="dk1"/>
+          </a:effectRef>
+          <a:fontRef idx="minor">
+            <a:schemeClr val="dk1"/>
+          </a:fontRef>
+        </p:style>
+        <p:txBody>
+          <a:bodyPr rtlCol="0" anchor="ctr"/>
+          <a:lstStyle/>
+          <a:p>
+            <a:pPr algn="ctr"/>
+            <a:r>
+              <a:rPr lang="en-US" altLang="ko-KR" sz="1100"/>
+              <a:t>Node B</a:t>
+            </a:r>
+          </a:p>
+        </p:txBody>
+      </p:sp>
+      <p:sp>
+        <p:nvSpPr>
+          <p:cNvPr id="126" name="사각형: 둥근 모서리 125">
+            <a:extLst>
+              <a:ext uri="{FF2B5EF4-FFF2-40B4-BE49-F238E27FC236}">
+                <a16:creationId xmlns:a16="http://schemas.microsoft.com/office/drawing/2014/main" id="{F6B5CEB9-AEB2-46D5-80F6-EE746906ADF7}"/>
+              </a:ext>
+            </a:extLst>
+          </p:cNvPr>
+          <p:cNvSpPr/>
+          <p:nvPr/>
+        </p:nvSpPr>
+        <p:spPr>
+          <a:xfrm>
+            <a:off x="4716016" y="2641040"/>
+            <a:ext cx="1224136" cy="363838"/>
+          </a:xfrm>
+          <a:prstGeom prst="roundRect">
+            <a:avLst>
+              <a:gd name="adj" fmla="val 23600"/>
+            </a:avLst>
+          </a:prstGeom>
+        </p:spPr>
+        <p:style>
+          <a:lnRef idx="2">
+            <a:schemeClr val="dk1"/>
+          </a:lnRef>
+          <a:fillRef idx="1">
+            <a:schemeClr val="lt1"/>
+          </a:fillRef>
+          <a:effectRef idx="0">
+            <a:schemeClr val="dk1"/>
+          </a:effectRef>
+          <a:fontRef idx="minor">
+            <a:schemeClr val="dk1"/>
+          </a:fontRef>
+        </p:style>
+        <p:txBody>
+          <a:bodyPr rtlCol="0" anchor="ctr"/>
+          <a:lstStyle/>
+          <a:p>
+            <a:pPr algn="ctr"/>
+            <a:r>
+              <a:rPr lang="en-US" altLang="ko-KR" sz="1100"/>
+              <a:t>Node C</a:t>
+            </a:r>
+          </a:p>
+        </p:txBody>
+      </p:sp>
       <p:sp>
         <p:nvSpPr>
           <p:cNvPr id="127" name="사각형: 둥근 모서리 126">
@@ -4435,7 +4401,7 @@
             <a:pPr algn="ctr"/>
             <a:r>
               <a:rPr lang="en-US" altLang="ko-KR" sz="1200"/>
-              <a:t>NLB / CLB / ALB</a:t>
+              <a:t>CLB / NLB / ALB</a:t>
             </a:r>
           </a:p>
         </p:txBody>

--- a/images/theory_analysis/AWS_EKS_Network_Load_Balancer/AWS_EKS_Network_Load_Balancer.pptx
+++ b/images/theory_analysis/AWS_EKS_Network_Load_Balancer/AWS_EKS_Network_Load_Balancer.pptx
@@ -222,7 +222,7 @@
           <a:p>
             <a:fld id="{6CD5550B-26C4-49A9-A5BA-636EF7BE6CE9}" type="datetimeFigureOut">
               <a:rPr lang="ko-KR" altLang="en-US" smtClean="0"/>
-              <a:t>2021-05-08</a:t>
+              <a:t>2021-05-14</a:t>
             </a:fld>
             <a:endParaRPr lang="ko-KR" altLang="en-US"/>
           </a:p>
@@ -668,7 +668,7 @@
           <a:p>
             <a:fld id="{FB30EDBD-1C2D-4C1E-B459-B60219FAB484}" type="datetimeFigureOut">
               <a:rPr lang="ko-KR" altLang="en-US" smtClean="0"/>
-              <a:t>2021-05-08</a:t>
+              <a:t>2021-05-14</a:t>
             </a:fld>
             <a:endParaRPr lang="ko-KR" altLang="en-US"/>
           </a:p>
@@ -831,7 +831,7 @@
           <a:p>
             <a:fld id="{FB30EDBD-1C2D-4C1E-B459-B60219FAB484}" type="datetimeFigureOut">
               <a:rPr lang="ko-KR" altLang="en-US" smtClean="0"/>
-              <a:t>2021-05-08</a:t>
+              <a:t>2021-05-14</a:t>
             </a:fld>
             <a:endParaRPr lang="ko-KR" altLang="en-US"/>
           </a:p>
@@ -1004,7 +1004,7 @@
           <a:p>
             <a:fld id="{FB30EDBD-1C2D-4C1E-B459-B60219FAB484}" type="datetimeFigureOut">
               <a:rPr lang="ko-KR" altLang="en-US" smtClean="0"/>
-              <a:t>2021-05-08</a:t>
+              <a:t>2021-05-14</a:t>
             </a:fld>
             <a:endParaRPr lang="ko-KR" altLang="en-US"/>
           </a:p>
@@ -1167,7 +1167,7 @@
           <a:p>
             <a:fld id="{FB30EDBD-1C2D-4C1E-B459-B60219FAB484}" type="datetimeFigureOut">
               <a:rPr lang="ko-KR" altLang="en-US" smtClean="0"/>
-              <a:t>2021-05-08</a:t>
+              <a:t>2021-05-14</a:t>
             </a:fld>
             <a:endParaRPr lang="ko-KR" altLang="en-US"/>
           </a:p>
@@ -1407,7 +1407,7 @@
           <a:p>
             <a:fld id="{FB30EDBD-1C2D-4C1E-B459-B60219FAB484}" type="datetimeFigureOut">
               <a:rPr lang="ko-KR" altLang="en-US" smtClean="0"/>
-              <a:t>2021-05-08</a:t>
+              <a:t>2021-05-14</a:t>
             </a:fld>
             <a:endParaRPr lang="ko-KR" altLang="en-US"/>
           </a:p>
@@ -1687,7 +1687,7 @@
           <a:p>
             <a:fld id="{FB30EDBD-1C2D-4C1E-B459-B60219FAB484}" type="datetimeFigureOut">
               <a:rPr lang="ko-KR" altLang="en-US" smtClean="0"/>
-              <a:t>2021-05-08</a:t>
+              <a:t>2021-05-14</a:t>
             </a:fld>
             <a:endParaRPr lang="ko-KR" altLang="en-US"/>
           </a:p>
@@ -2101,7 +2101,7 @@
           <a:p>
             <a:fld id="{FB30EDBD-1C2D-4C1E-B459-B60219FAB484}" type="datetimeFigureOut">
               <a:rPr lang="ko-KR" altLang="en-US" smtClean="0"/>
-              <a:t>2021-05-08</a:t>
+              <a:t>2021-05-14</a:t>
             </a:fld>
             <a:endParaRPr lang="ko-KR" altLang="en-US"/>
           </a:p>
@@ -2213,7 +2213,7 @@
           <a:p>
             <a:fld id="{FB30EDBD-1C2D-4C1E-B459-B60219FAB484}" type="datetimeFigureOut">
               <a:rPr lang="ko-KR" altLang="en-US" smtClean="0"/>
-              <a:t>2021-05-08</a:t>
+              <a:t>2021-05-14</a:t>
             </a:fld>
             <a:endParaRPr lang="ko-KR" altLang="en-US"/>
           </a:p>
@@ -2303,7 +2303,7 @@
           <a:p>
             <a:fld id="{FB30EDBD-1C2D-4C1E-B459-B60219FAB484}" type="datetimeFigureOut">
               <a:rPr lang="ko-KR" altLang="en-US" smtClean="0"/>
-              <a:t>2021-05-08</a:t>
+              <a:t>2021-05-14</a:t>
             </a:fld>
             <a:endParaRPr lang="ko-KR" altLang="en-US"/>
           </a:p>
@@ -2573,7 +2573,7 @@
           <a:p>
             <a:fld id="{FB30EDBD-1C2D-4C1E-B459-B60219FAB484}" type="datetimeFigureOut">
               <a:rPr lang="ko-KR" altLang="en-US" smtClean="0"/>
-              <a:t>2021-05-08</a:t>
+              <a:t>2021-05-14</a:t>
             </a:fld>
             <a:endParaRPr lang="ko-KR" altLang="en-US"/>
           </a:p>
@@ -2820,7 +2820,7 @@
           <a:p>
             <a:fld id="{FB30EDBD-1C2D-4C1E-B459-B60219FAB484}" type="datetimeFigureOut">
               <a:rPr lang="ko-KR" altLang="en-US" smtClean="0"/>
-              <a:t>2021-05-08</a:t>
+              <a:t>2021-05-14</a:t>
             </a:fld>
             <a:endParaRPr lang="ko-KR" altLang="en-US"/>
           </a:p>
@@ -3026,7 +3026,7 @@
           <a:p>
             <a:fld id="{FB30EDBD-1C2D-4C1E-B459-B60219FAB484}" type="datetimeFigureOut">
               <a:rPr lang="ko-KR" altLang="en-US" smtClean="0"/>
-              <a:t>2021-05-08</a:t>
+              <a:t>2021-05-14</a:t>
             </a:fld>
             <a:endParaRPr lang="ko-KR" altLang="en-US"/>
           </a:p>
@@ -12040,7 +12040,7 @@
         <p:spPr>
           <a:xfrm flipV="1">
             <a:off x="4463989" y="2445560"/>
-            <a:ext cx="0" cy="630246"/>
+            <a:ext cx="0" cy="414222"/>
           </a:xfrm>
           <a:prstGeom prst="straightConnector1">
             <a:avLst/>
